--- a/presentation-summercamp2015.pptx
+++ b/presentation-summercamp2015.pptx
@@ -112,6 +112,11 @@
       </a:defRPr>
     </a:lvl9pPr>
   </p:defaultTextStyle>
+  <p:extLst>
+    <p:ext uri="{EFAFB233-063F-42B5-8137-9DF3F51BA10A}">
+      <p15:sldGuideLst xmlns:p15="http://schemas.microsoft.com/office/powerpoint/2012/main"/>
+    </p:ext>
+  </p:extLst>
 </p:presentation>
 </file>
 
@@ -3390,48 +3395,50 @@
         </p:nvSpPr>
         <p:spPr/>
         <p:txBody>
-          <a:bodyPr/>
-          <a:lstStyle/>
-          <a:p>
-            <a:r>
-              <a:rPr lang="fr-BE" dirty="0" smtClean="0"/>
-              <a:t>Open DATA</a:t>
-            </a:r>
-            <a:br>
-              <a:rPr lang="fr-BE" dirty="0" smtClean="0"/>
-            </a:br>
-            <a:r>
-              <a:rPr lang="fr-BE" dirty="0" smtClean="0"/>
-              <a:t>en BELGIQUE</a:t>
-            </a:r>
-            <a:endParaRPr lang="fr-BE" dirty="0"/>
-          </a:p>
-        </p:txBody>
-      </p:sp>
-      <p:sp>
-        <p:nvSpPr>
-          <p:cNvPr id="3" name="Sous-titre 2"/>
-          <p:cNvSpPr>
-            <a:spLocks noGrp="1"/>
-          </p:cNvSpPr>
-          <p:nvPr>
-            <p:ph type="subTitle" idx="1"/>
-          </p:nvPr>
-        </p:nvSpPr>
-        <p:spPr>
-          <a:xfrm>
-            <a:off x="1282148" y="3869635"/>
-            <a:ext cx="6575895" cy="2333738"/>
-          </a:xfrm>
-        </p:spPr>
-        <p:txBody>
           <a:bodyPr>
             <a:normAutofit/>
           </a:bodyPr>
           <a:lstStyle/>
           <a:p>
             <a:r>
-              <a:rPr lang="fr-BE" dirty="0" smtClean="0"/>
+              <a:rPr lang="fr-BE" sz="7200" dirty="0" smtClean="0"/>
+              <a:t>Open DATA</a:t>
+            </a:r>
+            <a:br>
+              <a:rPr lang="fr-BE" sz="7200" dirty="0" smtClean="0"/>
+            </a:br>
+            <a:r>
+              <a:rPr lang="fr-BE" sz="7200" dirty="0" smtClean="0"/>
+              <a:t>en BELGIQUE</a:t>
+            </a:r>
+            <a:endParaRPr lang="fr-BE" sz="7200" dirty="0"/>
+          </a:p>
+        </p:txBody>
+      </p:sp>
+      <p:sp>
+        <p:nvSpPr>
+          <p:cNvPr id="3" name="Sous-titre 2"/>
+          <p:cNvSpPr>
+            <a:spLocks noGrp="1"/>
+          </p:cNvSpPr>
+          <p:nvPr>
+            <p:ph type="subTitle" idx="1"/>
+          </p:nvPr>
+        </p:nvSpPr>
+        <p:spPr>
+          <a:xfrm>
+            <a:off x="1282148" y="3869634"/>
+            <a:ext cx="6575895" cy="2699977"/>
+          </a:xfrm>
+        </p:spPr>
+        <p:txBody>
+          <a:bodyPr>
+            <a:normAutofit/>
+          </a:bodyPr>
+          <a:lstStyle/>
+          <a:p>
+            <a:r>
+              <a:rPr lang="fr-BE" sz="3200" dirty="0" smtClean="0"/>
               <a:t>Quelques expérimentations…</a:t>
             </a:r>
           </a:p>
@@ -3475,6 +3482,13 @@
   <p:clrMapOvr>
     <a:masterClrMapping/>
   </p:clrMapOvr>
+  <p:timing>
+    <p:tnLst>
+      <p:par>
+        <p:cTn id="1" dur="indefinite" restart="never" nodeType="tmRoot"/>
+      </p:par>
+    </p:tnLst>
+  </p:timing>
 </p:sld>
 </file>
 
@@ -3511,14 +3525,22 @@
           <a:lstStyle/>
           <a:p>
             <a:r>
-              <a:rPr lang="fr-BE" dirty="0" smtClean="0">
+              <a:rPr lang="fr-BE" b="1" dirty="0" smtClean="0">
                 <a:solidFill>
                   <a:schemeClr val="accent2"/>
                 </a:solidFill>
               </a:rPr>
-              <a:t>La situation actuelle</a:t>
-            </a:r>
-            <a:endParaRPr lang="fr-BE" dirty="0">
+              <a:t>S</a:t>
+            </a:r>
+            <a:r>
+              <a:rPr lang="fr-BE" b="1" dirty="0" smtClean="0">
+                <a:solidFill>
+                  <a:schemeClr val="accent2"/>
+                </a:solidFill>
+              </a:rPr>
+              <a:t>ITUATION ACTUELLE</a:t>
+            </a:r>
+            <a:endParaRPr lang="fr-BE" b="1" dirty="0">
               <a:solidFill>
                 <a:schemeClr val="accent2"/>
               </a:solidFill>
@@ -3550,19 +3572,43 @@
           <a:p>
             <a:r>
               <a:rPr lang="fr-BE" sz="2800" dirty="0" smtClean="0"/>
-              <a:t>La Belgique et ses régions mettent à disposition des données publiques (OPEN DATA)</a:t>
-            </a:r>
-          </a:p>
-          <a:p>
+              <a:t>La Belgique et ses régions mettent à disposition des données publiques (</a:t>
+            </a:r>
+            <a:r>
+              <a:rPr lang="fr-BE" sz="2800" b="1" dirty="0" smtClean="0"/>
+              <a:t>OPEN DATA</a:t>
+            </a:r>
             <a:r>
               <a:rPr lang="fr-BE" sz="2800" dirty="0" smtClean="0"/>
-              <a:t>Il s’agit de chiffres, statistiques dans différents domaines (population, mobilité, etc.)</a:t>
+              <a:t>)</a:t>
             </a:r>
           </a:p>
           <a:p>
             <a:r>
               <a:rPr lang="fr-BE" sz="2800" dirty="0" smtClean="0"/>
-              <a:t>Chiffres sont présentés dans différents formats (souvent en tableaux MS Excel)</a:t>
+              <a:t>Il s’agit de </a:t>
+            </a:r>
+            <a:r>
+              <a:rPr lang="fr-BE" sz="2800" b="1" dirty="0" smtClean="0"/>
+              <a:t>chiffres, statistiques</a:t>
+            </a:r>
+            <a:r>
+              <a:rPr lang="fr-BE" sz="2800" dirty="0" smtClean="0"/>
+              <a:t> dans différents domaines (population, mobilité, etc.)</a:t>
+            </a:r>
+          </a:p>
+          <a:p>
+            <a:r>
+              <a:rPr lang="fr-BE" sz="2800" dirty="0" smtClean="0"/>
+              <a:t>Chiffres sont présentés dans </a:t>
+            </a:r>
+            <a:r>
+              <a:rPr lang="fr-BE" sz="2800" b="1" dirty="0" smtClean="0"/>
+              <a:t>différents formats </a:t>
+            </a:r>
+            <a:r>
+              <a:rPr lang="fr-BE" sz="2800" dirty="0" smtClean="0"/>
+              <a:t>(souvent en tableaux MS Excel)</a:t>
             </a:r>
           </a:p>
           <a:p>
@@ -3576,10 +3622,10 @@
               <a:buNone/>
             </a:pPr>
             <a:r>
-              <a:rPr lang="fr-BE" sz="2800" dirty="0" smtClean="0"/>
+              <a:rPr lang="fr-BE" sz="2800" i="1" dirty="0" smtClean="0"/>
               <a:t>…en théorie…</a:t>
             </a:r>
-            <a:endParaRPr lang="fr-BE" sz="2800" dirty="0"/>
+            <a:endParaRPr lang="fr-BE" sz="2800" i="1" dirty="0"/>
           </a:p>
         </p:txBody>
       </p:sp>
@@ -3634,6 +3680,13 @@
   <p:clrMapOvr>
     <a:masterClrMapping/>
   </p:clrMapOvr>
+  <p:timing>
+    <p:tnLst>
+      <p:par>
+        <p:cTn id="1" dur="indefinite" restart="never" nodeType="tmRoot"/>
+      </p:par>
+    </p:tnLst>
+  </p:timing>
 </p:sld>
 </file>
 
@@ -3670,14 +3723,14 @@
           <a:lstStyle/>
           <a:p>
             <a:r>
-              <a:rPr lang="fr-BE" dirty="0" smtClean="0">
+              <a:rPr lang="fr-BE" b="1" dirty="0" smtClean="0">
                 <a:solidFill>
                   <a:schemeClr val="accent2"/>
                 </a:solidFill>
               </a:rPr>
-              <a:t>Problématique</a:t>
-            </a:r>
-            <a:endParaRPr lang="fr-BE" dirty="0">
+              <a:t>PROBLÉMATIQUE</a:t>
+            </a:r>
+            <a:endParaRPr lang="fr-BE" b="1" dirty="0">
               <a:solidFill>
                 <a:schemeClr val="accent2"/>
               </a:solidFill>
@@ -3706,7 +3759,7 @@
               <a:buNone/>
             </a:pPr>
             <a:r>
-              <a:rPr lang="fr-BE" sz="2800" dirty="0" smtClean="0"/>
+              <a:rPr lang="fr-BE" sz="2800" i="1" dirty="0" smtClean="0"/>
               <a:t>… mais dans la pratique…</a:t>
             </a:r>
           </a:p>
@@ -3799,6 +3852,13 @@
   <p:clrMapOvr>
     <a:masterClrMapping/>
   </p:clrMapOvr>
+  <p:timing>
+    <p:tnLst>
+      <p:par>
+        <p:cTn id="1" dur="indefinite" restart="never" nodeType="tmRoot"/>
+      </p:par>
+    </p:tnLst>
+  </p:timing>
 </p:sld>
 </file>
 
@@ -3835,14 +3895,14 @@
           <a:lstStyle/>
           <a:p>
             <a:r>
-              <a:rPr lang="fr-BE" dirty="0" smtClean="0">
+              <a:rPr lang="fr-BE" b="1" dirty="0" smtClean="0">
                 <a:solidFill>
                   <a:schemeClr val="accent2"/>
                 </a:solidFill>
               </a:rPr>
-              <a:t>Bon, on fait quoi?</a:t>
-            </a:r>
-            <a:endParaRPr lang="fr-BE" dirty="0">
+              <a:t>BON, ON FAIT QUOI?</a:t>
+            </a:r>
+            <a:endParaRPr lang="fr-BE" b="1" dirty="0">
               <a:solidFill>
                 <a:schemeClr val="accent2"/>
               </a:solidFill>
@@ -3884,6 +3944,13 @@
   <p:clrMapOvr>
     <a:masterClrMapping/>
   </p:clrMapOvr>
+  <p:timing>
+    <p:tnLst>
+      <p:par>
+        <p:cTn id="1" dur="indefinite" restart="never" nodeType="tmRoot"/>
+      </p:par>
+    </p:tnLst>
+  </p:timing>
 </p:sld>
 </file>
 
@@ -3893,7 +3960,7 @@
     <p:bg>
       <p:bgPr>
         <a:solidFill>
-          <a:schemeClr val="tx2"/>
+          <a:srgbClr val="1A1414"/>
         </a:solidFill>
         <a:effectLst/>
       </p:bgPr>
@@ -3914,6 +3981,98 @@
       </p:grpSpPr>
       <p:sp>
         <p:nvSpPr>
+          <p:cNvPr id="9" name="Ellipse 8"/>
+          <p:cNvSpPr/>
+          <p:nvPr/>
+        </p:nvSpPr>
+        <p:spPr>
+          <a:xfrm>
+            <a:off x="6681355" y="4265204"/>
+            <a:ext cx="3221502" cy="3221502"/>
+          </a:xfrm>
+          <a:prstGeom prst="ellipse">
+            <a:avLst/>
+          </a:prstGeom>
+          <a:solidFill>
+            <a:schemeClr val="bg1"/>
+          </a:solidFill>
+          <a:ln>
+            <a:noFill/>
+          </a:ln>
+        </p:spPr>
+        <p:style>
+          <a:lnRef idx="2">
+            <a:schemeClr val="accent1">
+              <a:shade val="50000"/>
+            </a:schemeClr>
+          </a:lnRef>
+          <a:fillRef idx="1">
+            <a:schemeClr val="accent1"/>
+          </a:fillRef>
+          <a:effectRef idx="0">
+            <a:schemeClr val="accent1"/>
+          </a:effectRef>
+          <a:fontRef idx="minor">
+            <a:schemeClr val="lt1"/>
+          </a:fontRef>
+        </p:style>
+        <p:txBody>
+          <a:bodyPr rtlCol="0" anchor="ctr"/>
+          <a:lstStyle/>
+          <a:p>
+            <a:pPr algn="ctr"/>
+            <a:endParaRPr lang="fr-BE"/>
+          </a:p>
+        </p:txBody>
+      </p:sp>
+      <p:sp>
+        <p:nvSpPr>
+          <p:cNvPr id="5" name="Ellipse 4"/>
+          <p:cNvSpPr/>
+          <p:nvPr/>
+        </p:nvSpPr>
+        <p:spPr>
+          <a:xfrm>
+            <a:off x="-778266" y="4265204"/>
+            <a:ext cx="3221502" cy="3221502"/>
+          </a:xfrm>
+          <a:prstGeom prst="ellipse">
+            <a:avLst/>
+          </a:prstGeom>
+          <a:solidFill>
+            <a:schemeClr val="bg1"/>
+          </a:solidFill>
+          <a:ln>
+            <a:noFill/>
+          </a:ln>
+        </p:spPr>
+        <p:style>
+          <a:lnRef idx="2">
+            <a:schemeClr val="accent1">
+              <a:shade val="50000"/>
+            </a:schemeClr>
+          </a:lnRef>
+          <a:fillRef idx="1">
+            <a:schemeClr val="accent1"/>
+          </a:fillRef>
+          <a:effectRef idx="0">
+            <a:schemeClr val="accent1"/>
+          </a:effectRef>
+          <a:fontRef idx="minor">
+            <a:schemeClr val="lt1"/>
+          </a:fontRef>
+        </p:style>
+        <p:txBody>
+          <a:bodyPr rtlCol="0" anchor="ctr"/>
+          <a:lstStyle/>
+          <a:p>
+            <a:pPr algn="ctr"/>
+            <a:endParaRPr lang="fr-BE"/>
+          </a:p>
+        </p:txBody>
+      </p:sp>
+      <p:sp>
+        <p:nvSpPr>
           <p:cNvPr id="2" name="Titre 1"/>
           <p:cNvSpPr>
             <a:spLocks noGrp="1"/>
@@ -4015,7 +4174,7 @@
               <a:gd name="adj1" fmla="val 8676"/>
             </a:avLst>
           </a:prstGeom>
-          <a:ln>
+          <a:ln w="28575">
             <a:solidFill>
               <a:schemeClr val="bg1"/>
             </a:solidFill>
@@ -4071,7 +4230,7 @@
             <a:pPr algn="ctr"/>
             <a:r>
               <a:rPr lang="fr-FR" sz="8800" b="1" dirty="0" smtClean="0">
-                <a:ln w="19050">
+                <a:ln w="28575">
                   <a:solidFill>
                     <a:schemeClr val="bg1"/>
                   </a:solidFill>
@@ -4080,12 +4239,19 @@
                 <a:solidFill>
                   <a:schemeClr val="accent2"/>
                 </a:solidFill>
+                <a:effectLst>
+                  <a:glow rad="228600">
+                    <a:schemeClr val="bg1">
+                      <a:alpha val="40000"/>
+                    </a:schemeClr>
+                  </a:glow>
+                </a:effectLst>
                 <a:latin typeface="+mj-lt"/>
               </a:rPr>
               <a:t>MORTALITÉ</a:t>
             </a:r>
             <a:endParaRPr lang="fr-FR" sz="8800" b="1" dirty="0">
-              <a:ln w="19050">
+              <a:ln w="28575">
                 <a:solidFill>
                   <a:schemeClr val="bg1"/>
                 </a:solidFill>
@@ -4094,6 +4260,13 @@
               <a:solidFill>
                 <a:schemeClr val="accent2"/>
               </a:solidFill>
+              <a:effectLst>
+                <a:glow rad="228600">
+                  <a:schemeClr val="bg1">
+                    <a:alpha val="40000"/>
+                  </a:schemeClr>
+                </a:glow>
+              </a:effectLst>
               <a:latin typeface="+mj-lt"/>
             </a:endParaRPr>
           </a:p>
@@ -4169,12 +4342,27 @@
   <p:clrMapOvr>
     <a:masterClrMapping/>
   </p:clrMapOvr>
+  <p:timing>
+    <p:tnLst>
+      <p:par>
+        <p:cTn id="1" dur="indefinite" restart="never" nodeType="tmRoot"/>
+      </p:par>
+    </p:tnLst>
+  </p:timing>
 </p:sld>
 </file>
 
 <file path=ppt/slides/slide6.xml><?xml version="1.0" encoding="utf-8"?>
-<p:sld xmlns:a="http://schemas.openxmlformats.org/drawingml/2006/main" xmlns:r="http://schemas.openxmlformats.org/officeDocument/2006/relationships" xmlns:p="http://schemas.openxmlformats.org/presentationml/2006/main">
+<p:sld xmlns:a="http://schemas.openxmlformats.org/drawingml/2006/main" xmlns:r="http://schemas.openxmlformats.org/officeDocument/2006/relationships" xmlns:p="http://schemas.openxmlformats.org/presentationml/2006/main" showMasterSp="0">
   <p:cSld>
+    <p:bg>
+      <p:bgPr>
+        <a:solidFill>
+          <a:srgbClr val="1A1414"/>
+        </a:solidFill>
+        <a:effectLst/>
+      </p:bgPr>
+    </p:bg>
     <p:spTree>
       <p:nvGrpSpPr>
         <p:cNvPr id="1" name=""/>
@@ -4189,435 +4377,6 @@
           <a:chExt cx="0" cy="0"/>
         </a:xfrm>
       </p:grpSpPr>
-      <p:sp>
-        <p:nvSpPr>
-          <p:cNvPr id="2" name="Titre 1"/>
-          <p:cNvSpPr>
-            <a:spLocks noGrp="1"/>
-          </p:cNvSpPr>
-          <p:nvPr>
-            <p:ph type="title"/>
-          </p:nvPr>
-        </p:nvSpPr>
-        <p:spPr/>
-        <p:txBody>
-          <a:bodyPr/>
-          <a:lstStyle/>
-          <a:p>
-            <a:pPr algn="ctr"/>
-            <a:r>
-              <a:rPr lang="fr-BE" dirty="0" err="1" smtClean="0">
-                <a:solidFill>
-                  <a:schemeClr val="accent2"/>
-                </a:solidFill>
-              </a:rPr>
-              <a:t>MorDATAlity</a:t>
-            </a:r>
-            <a:endParaRPr lang="fr-BE" dirty="0">
-              <a:solidFill>
-                <a:schemeClr val="accent2"/>
-              </a:solidFill>
-            </a:endParaRPr>
-          </a:p>
-        </p:txBody>
-      </p:sp>
-      <p:sp>
-        <p:nvSpPr>
-          <p:cNvPr id="3" name="Espace réservé du contenu 2"/>
-          <p:cNvSpPr>
-            <a:spLocks noGrp="1"/>
-          </p:cNvSpPr>
-          <p:nvPr>
-            <p:ph idx="1"/>
-          </p:nvPr>
-        </p:nvSpPr>
-        <p:spPr/>
-        <p:txBody>
-          <a:bodyPr>
-            <a:normAutofit/>
-          </a:bodyPr>
-          <a:lstStyle/>
-          <a:p>
-            <a:pPr marL="34290" indent="0">
-              <a:buNone/>
-            </a:pPr>
-            <a:r>
-              <a:rPr lang="fr-BE" sz="4400" dirty="0" smtClean="0"/>
-              <a:t>Logo réalisé par Thibaut</a:t>
-            </a:r>
-            <a:endParaRPr lang="fr-BE" sz="4400" dirty="0"/>
-          </a:p>
-        </p:txBody>
-      </p:sp>
-      <p:pic>
-        <p:nvPicPr>
-          <p:cNvPr id="3074" name="Picture 2" descr="https://browshot.com/static/images/not-found.png"/>
-          <p:cNvPicPr>
-            <a:picLocks noChangeAspect="1" noChangeArrowheads="1"/>
-          </p:cNvPicPr>
-          <p:nvPr/>
-        </p:nvPicPr>
-        <p:blipFill>
-          <a:blip r:embed="rId2">
-            <a:extLst>
-              <a:ext uri="{28A0092B-C50C-407E-A947-70E740481C1C}">
-                <a14:useLocalDpi xmlns:a14="http://schemas.microsoft.com/office/drawing/2010/main" val="0"/>
-              </a:ext>
-            </a:extLst>
-          </a:blip>
-          <a:srcRect/>
-          <a:stretch>
-            <a:fillRect/>
-          </a:stretch>
-        </p:blipFill>
-        <p:spPr bwMode="auto">
-          <a:xfrm>
-            <a:off x="3330702" y="3325091"/>
-            <a:ext cx="2457750" cy="2457750"/>
-          </a:xfrm>
-          <a:prstGeom prst="rect">
-            <a:avLst/>
-          </a:prstGeom>
-          <a:noFill/>
-          <a:extLst>
-            <a:ext uri="{909E8E84-426E-40DD-AFC4-6F175D3DCCD1}">
-              <a14:hiddenFill xmlns:a14="http://schemas.microsoft.com/office/drawing/2010/main">
-                <a:solidFill>
-                  <a:srgbClr val="FFFFFF"/>
-                </a:solidFill>
-              </a14:hiddenFill>
-            </a:ext>
-          </a:extLst>
-        </p:spPr>
-      </p:pic>
-      <p:pic>
-        <p:nvPicPr>
-          <p:cNvPr id="6" name="Picture 4" descr="http://userscontent2.emaze.com/images/d255d101-319b-4846-b08b-89f8011e4bea/d313eda9-1049-4414-8f53-09dea215806b.jpg"/>
-          <p:cNvPicPr>
-            <a:picLocks noChangeAspect="1" noChangeArrowheads="1"/>
-          </p:cNvPicPr>
-          <p:nvPr/>
-        </p:nvPicPr>
-        <p:blipFill>
-          <a:blip r:embed="rId3">
-            <a:extLst>
-              <a:ext uri="{28A0092B-C50C-407E-A947-70E740481C1C}">
-                <a14:useLocalDpi xmlns:a14="http://schemas.microsoft.com/office/drawing/2010/main" val="0"/>
-              </a:ext>
-            </a:extLst>
-          </a:blip>
-          <a:srcRect/>
-          <a:stretch>
-            <a:fillRect/>
-          </a:stretch>
-        </p:blipFill>
-        <p:spPr bwMode="auto">
-          <a:xfrm>
-            <a:off x="6774872" y="4416425"/>
-            <a:ext cx="2057111" cy="2057111"/>
-          </a:xfrm>
-          <a:prstGeom prst="rect">
-            <a:avLst/>
-          </a:prstGeom>
-          <a:noFill/>
-          <a:extLst>
-            <a:ext uri="{909E8E84-426E-40DD-AFC4-6F175D3DCCD1}">
-              <a14:hiddenFill xmlns:a14="http://schemas.microsoft.com/office/drawing/2010/main">
-                <a:solidFill>
-                  <a:srgbClr val="FFFFFF"/>
-                </a:solidFill>
-              </a14:hiddenFill>
-            </a:ext>
-          </a:extLst>
-        </p:spPr>
-      </p:pic>
-    </p:spTree>
-    <p:extLst>
-      <p:ext uri="{BB962C8B-B14F-4D97-AF65-F5344CB8AC3E}">
-        <p14:creationId xmlns:p14="http://schemas.microsoft.com/office/powerpoint/2010/main" val="1192509201"/>
-      </p:ext>
-    </p:extLst>
-  </p:cSld>
-  <p:clrMapOvr>
-    <a:masterClrMapping/>
-  </p:clrMapOvr>
-</p:sld>
-</file>
-
-<file path=ppt/slides/slide7.xml><?xml version="1.0" encoding="utf-8"?>
-<p:sld xmlns:a="http://schemas.openxmlformats.org/drawingml/2006/main" xmlns:r="http://schemas.openxmlformats.org/officeDocument/2006/relationships" xmlns:p="http://schemas.openxmlformats.org/presentationml/2006/main">
-  <p:cSld>
-    <p:spTree>
-      <p:nvGrpSpPr>
-        <p:cNvPr id="1" name=""/>
-        <p:cNvGrpSpPr/>
-        <p:nvPr/>
-      </p:nvGrpSpPr>
-      <p:grpSpPr>
-        <a:xfrm>
-          <a:off x="0" y="0"/>
-          <a:ext cx="0" cy="0"/>
-          <a:chOff x="0" y="0"/>
-          <a:chExt cx="0" cy="0"/>
-        </a:xfrm>
-      </p:grpSpPr>
-      <p:sp>
-        <p:nvSpPr>
-          <p:cNvPr id="2" name="Titre 1"/>
-          <p:cNvSpPr>
-            <a:spLocks noGrp="1"/>
-          </p:cNvSpPr>
-          <p:nvPr>
-            <p:ph type="title"/>
-          </p:nvPr>
-        </p:nvSpPr>
-        <p:spPr/>
-        <p:txBody>
-          <a:bodyPr/>
-          <a:lstStyle/>
-          <a:p>
-            <a:r>
-              <a:rPr lang="fr-BE" dirty="0" smtClean="0">
-                <a:solidFill>
-                  <a:schemeClr val="accent2"/>
-                </a:solidFill>
-              </a:rPr>
-              <a:t>Jeux de données sélectionnés</a:t>
-            </a:r>
-            <a:endParaRPr lang="fr-BE" dirty="0">
-              <a:solidFill>
-                <a:schemeClr val="accent2"/>
-              </a:solidFill>
-            </a:endParaRPr>
-          </a:p>
-        </p:txBody>
-      </p:sp>
-      <p:sp>
-        <p:nvSpPr>
-          <p:cNvPr id="3" name="Espace réservé du contenu 2"/>
-          <p:cNvSpPr>
-            <a:spLocks noGrp="1"/>
-          </p:cNvSpPr>
-          <p:nvPr>
-            <p:ph idx="1"/>
-          </p:nvPr>
-        </p:nvSpPr>
-        <p:spPr/>
-        <p:txBody>
-          <a:bodyPr>
-            <a:normAutofit/>
-          </a:bodyPr>
-          <a:lstStyle/>
-          <a:p>
-            <a:pPr>
-              <a:spcAft>
-                <a:spcPts val="1200"/>
-              </a:spcAft>
-            </a:pPr>
-            <a:r>
-              <a:rPr lang="fr-BE" sz="3200" dirty="0" smtClean="0"/>
-              <a:t>Statistiques de mortalité en Belgique en fonction de l’âge, du sexe et de la province</a:t>
-            </a:r>
-          </a:p>
-          <a:p>
-            <a:pPr>
-              <a:spcAft>
-                <a:spcPts val="1200"/>
-              </a:spcAft>
-            </a:pPr>
-            <a:r>
-              <a:rPr lang="fr-BE" sz="3200" dirty="0" smtClean="0"/>
-              <a:t>Statistiques des naissances en Belgique selon l’âge de la mère</a:t>
-            </a:r>
-          </a:p>
-          <a:p>
-            <a:pPr>
-              <a:spcAft>
-                <a:spcPts val="1200"/>
-              </a:spcAft>
-            </a:pPr>
-            <a:r>
-              <a:rPr lang="fr-BE" sz="3200" dirty="0" smtClean="0"/>
-              <a:t>Statistiques des migrations (in/out) en Belgique</a:t>
-            </a:r>
-            <a:endParaRPr lang="fr-BE" sz="3200" dirty="0"/>
-          </a:p>
-        </p:txBody>
-      </p:sp>
-    </p:spTree>
-    <p:extLst>
-      <p:ext uri="{BB962C8B-B14F-4D97-AF65-F5344CB8AC3E}">
-        <p14:creationId xmlns:p14="http://schemas.microsoft.com/office/powerpoint/2010/main" val="3421148373"/>
-      </p:ext>
-    </p:extLst>
-  </p:cSld>
-  <p:clrMapOvr>
-    <a:masterClrMapping/>
-  </p:clrMapOvr>
-</p:sld>
-</file>
-
-<file path=ppt/slides/slide8.xml><?xml version="1.0" encoding="utf-8"?>
-<p:sld xmlns:a="http://schemas.openxmlformats.org/drawingml/2006/main" xmlns:r="http://schemas.openxmlformats.org/officeDocument/2006/relationships" xmlns:p="http://schemas.openxmlformats.org/presentationml/2006/main">
-  <p:cSld>
-    <p:spTree>
-      <p:nvGrpSpPr>
-        <p:cNvPr id="1" name=""/>
-        <p:cNvGrpSpPr/>
-        <p:nvPr/>
-      </p:nvGrpSpPr>
-      <p:grpSpPr>
-        <a:xfrm>
-          <a:off x="0" y="0"/>
-          <a:ext cx="0" cy="0"/>
-          <a:chOff x="0" y="0"/>
-          <a:chExt cx="0" cy="0"/>
-        </a:xfrm>
-      </p:grpSpPr>
-      <p:sp>
-        <p:nvSpPr>
-          <p:cNvPr id="2" name="Titre 1"/>
-          <p:cNvSpPr>
-            <a:spLocks noGrp="1"/>
-          </p:cNvSpPr>
-          <p:nvPr>
-            <p:ph type="title"/>
-          </p:nvPr>
-        </p:nvSpPr>
-        <p:spPr/>
-        <p:txBody>
-          <a:bodyPr/>
-          <a:lstStyle/>
-          <a:p>
-            <a:r>
-              <a:rPr lang="fr-BE" dirty="0" smtClean="0"/>
-              <a:t>Nos résultats</a:t>
-            </a:r>
-            <a:endParaRPr lang="fr-BE" dirty="0"/>
-          </a:p>
-        </p:txBody>
-      </p:sp>
-      <p:sp>
-        <p:nvSpPr>
-          <p:cNvPr id="3" name="Espace réservé du contenu 2"/>
-          <p:cNvSpPr>
-            <a:spLocks noGrp="1"/>
-          </p:cNvSpPr>
-          <p:nvPr>
-            <p:ph idx="1"/>
-          </p:nvPr>
-        </p:nvSpPr>
-        <p:spPr/>
-        <p:txBody>
-          <a:bodyPr>
-            <a:normAutofit fontScale="92500" lnSpcReduction="10000"/>
-          </a:bodyPr>
-          <a:lstStyle/>
-          <a:p>
-            <a:pPr>
-              <a:spcAft>
-                <a:spcPts val="1200"/>
-              </a:spcAft>
-            </a:pPr>
-            <a:r>
-              <a:rPr lang="fr-BE" sz="2800" dirty="0" smtClean="0"/>
-              <a:t>Un </a:t>
-            </a:r>
-            <a:r>
-              <a:rPr lang="fr-BE" sz="2800" b="1" dirty="0" smtClean="0"/>
-              <a:t>site</a:t>
-            </a:r>
-            <a:r>
-              <a:rPr lang="fr-BE" sz="2800" dirty="0" smtClean="0"/>
-              <a:t> qui prédit la date de votre mort</a:t>
-            </a:r>
-          </a:p>
-          <a:p>
-            <a:pPr>
-              <a:spcAft>
-                <a:spcPts val="1200"/>
-              </a:spcAft>
-            </a:pPr>
-            <a:r>
-              <a:rPr lang="fr-BE" sz="2800" dirty="0" smtClean="0"/>
-              <a:t>Une </a:t>
-            </a:r>
-            <a:r>
-              <a:rPr lang="fr-BE" sz="2800" b="1" dirty="0" err="1" smtClean="0"/>
-              <a:t>app</a:t>
-            </a:r>
-            <a:r>
-              <a:rPr lang="fr-BE" sz="2800" dirty="0" smtClean="0"/>
-              <a:t> </a:t>
-            </a:r>
-            <a:r>
-              <a:rPr lang="fr-BE" sz="2200" dirty="0" smtClean="0"/>
-              <a:t>(compatible iOS, Android, Windows Phone, </a:t>
-            </a:r>
-            <a:r>
-              <a:rPr lang="fr-BE" sz="2200" dirty="0" err="1" smtClean="0"/>
-              <a:t>Symbian</a:t>
-            </a:r>
-            <a:r>
-              <a:rPr lang="fr-BE" sz="2200" dirty="0" smtClean="0"/>
-              <a:t>, BlackBerry, Nokia 3310, etc.)</a:t>
-            </a:r>
-            <a:r>
-              <a:rPr lang="fr-BE" sz="2800" dirty="0" smtClean="0"/>
-              <a:t> pour connaître son espérance de vie</a:t>
-            </a:r>
-          </a:p>
-          <a:p>
-            <a:r>
-              <a:rPr lang="fr-BE" sz="2800" dirty="0" smtClean="0"/>
-              <a:t>Une </a:t>
-            </a:r>
-            <a:r>
-              <a:rPr lang="fr-BE" sz="2800" b="1" dirty="0" smtClean="0"/>
-              <a:t>simulation visuelle </a:t>
-            </a:r>
-            <a:r>
-              <a:rPr lang="fr-BE" sz="2800" dirty="0" smtClean="0"/>
-              <a:t>d’une population qui vieillit, se renouvelle (bébés) et meurt…</a:t>
-            </a:r>
-            <a:endParaRPr lang="fr-BE" sz="2800" dirty="0"/>
-          </a:p>
-          <a:p>
-            <a:pPr marL="34290" indent="0">
-              <a:buNone/>
-            </a:pPr>
-            <a:endParaRPr lang="fr-BE" sz="2800" dirty="0" smtClean="0"/>
-          </a:p>
-          <a:p>
-            <a:pPr marL="34290" indent="0" algn="ctr">
-              <a:buNone/>
-            </a:pPr>
-            <a:r>
-              <a:rPr lang="fr-BE" sz="3000" dirty="0" smtClean="0"/>
-              <a:t>Tout ceci sur la base de </a:t>
-            </a:r>
-            <a:r>
-              <a:rPr lang="fr-BE" sz="3000" b="1" dirty="0" smtClean="0"/>
-              <a:t>statistiques réelles</a:t>
-            </a:r>
-            <a:r>
-              <a:rPr lang="fr-BE" sz="3000" dirty="0" smtClean="0"/>
-              <a:t/>
-            </a:r>
-            <a:br>
-              <a:rPr lang="fr-BE" sz="3000" dirty="0" smtClean="0"/>
-            </a:br>
-            <a:r>
-              <a:rPr lang="fr-BE" sz="3000" dirty="0" smtClean="0"/>
-              <a:t>tirées de l’</a:t>
-            </a:r>
-            <a:r>
-              <a:rPr lang="fr-BE" sz="3000" b="1" dirty="0" smtClean="0"/>
-              <a:t>OPEN DATA belge</a:t>
-            </a:r>
-          </a:p>
-        </p:txBody>
-      </p:sp>
       <p:pic>
         <p:nvPicPr>
           <p:cNvPr id="4" name="Image 3"/>
@@ -4640,14 +4399,767 @@
         </p:blipFill>
         <p:spPr>
           <a:xfrm>
-            <a:off x="6995198" y="372328"/>
-            <a:ext cx="1739059" cy="2048754"/>
+            <a:off x="1512000" y="0"/>
+            <a:ext cx="6120000" cy="6120000"/>
           </a:xfrm>
           <a:prstGeom prst="rect">
             <a:avLst/>
           </a:prstGeom>
         </p:spPr>
       </p:pic>
+      <p:sp>
+        <p:nvSpPr>
+          <p:cNvPr id="5" name="ZoneTexte 4"/>
+          <p:cNvSpPr txBox="1"/>
+          <p:nvPr/>
+        </p:nvSpPr>
+        <p:spPr>
+          <a:xfrm>
+            <a:off x="5739618" y="6432951"/>
+            <a:ext cx="3404382" cy="369332"/>
+          </a:xfrm>
+          <a:prstGeom prst="rect">
+            <a:avLst/>
+          </a:prstGeom>
+          <a:noFill/>
+        </p:spPr>
+        <p:txBody>
+          <a:bodyPr wrap="square" rtlCol="0">
+            <a:spAutoFit/>
+          </a:bodyPr>
+          <a:lstStyle/>
+          <a:p>
+            <a:r>
+              <a:rPr lang="fr-BE" dirty="0" smtClean="0">
+                <a:solidFill>
+                  <a:schemeClr val="bg1"/>
+                </a:solidFill>
+              </a:rPr>
+              <a:t>Logo réalisé </a:t>
+            </a:r>
+            <a:r>
+              <a:rPr lang="fr-BE" dirty="0">
+                <a:solidFill>
+                  <a:schemeClr val="bg1"/>
+                </a:solidFill>
+              </a:rPr>
+              <a:t>par </a:t>
+            </a:r>
+            <a:r>
+              <a:rPr lang="fr-BE" dirty="0" smtClean="0">
+                <a:solidFill>
+                  <a:schemeClr val="bg1"/>
+                </a:solidFill>
+              </a:rPr>
+              <a:t>Thibault Cyriaque</a:t>
+            </a:r>
+            <a:endParaRPr lang="fr-BE" dirty="0">
+              <a:solidFill>
+                <a:schemeClr val="bg1"/>
+              </a:solidFill>
+            </a:endParaRPr>
+          </a:p>
+        </p:txBody>
+      </p:sp>
+    </p:spTree>
+    <p:extLst>
+      <p:ext uri="{BB962C8B-B14F-4D97-AF65-F5344CB8AC3E}">
+        <p14:creationId xmlns:p14="http://schemas.microsoft.com/office/powerpoint/2010/main" val="1192509201"/>
+      </p:ext>
+    </p:extLst>
+  </p:cSld>
+  <p:clrMapOvr>
+    <a:masterClrMapping/>
+  </p:clrMapOvr>
+</p:sld>
+</file>
+
+<file path=ppt/slides/slide7.xml><?xml version="1.0" encoding="utf-8"?>
+<p:sld xmlns:a="http://schemas.openxmlformats.org/drawingml/2006/main" xmlns:r="http://schemas.openxmlformats.org/officeDocument/2006/relationships" xmlns:p="http://schemas.openxmlformats.org/presentationml/2006/main" showMasterSp="0">
+  <p:cSld>
+    <p:bg>
+      <p:bgPr>
+        <a:solidFill>
+          <a:srgbClr val="00A2A5"/>
+        </a:solidFill>
+        <a:effectLst/>
+      </p:bgPr>
+    </p:bg>
+    <p:spTree>
+      <p:nvGrpSpPr>
+        <p:cNvPr id="1" name=""/>
+        <p:cNvGrpSpPr/>
+        <p:nvPr/>
+      </p:nvGrpSpPr>
+      <p:grpSpPr>
+        <a:xfrm>
+          <a:off x="0" y="0"/>
+          <a:ext cx="0" cy="0"/>
+          <a:chOff x="0" y="0"/>
+          <a:chExt cx="0" cy="0"/>
+        </a:xfrm>
+      </p:grpSpPr>
+      <p:sp>
+        <p:nvSpPr>
+          <p:cNvPr id="2" name="Titre 1"/>
+          <p:cNvSpPr>
+            <a:spLocks noGrp="1"/>
+          </p:cNvSpPr>
+          <p:nvPr>
+            <p:ph type="title"/>
+          </p:nvPr>
+        </p:nvSpPr>
+        <p:spPr/>
+        <p:txBody>
+          <a:bodyPr>
+            <a:normAutofit/>
+          </a:bodyPr>
+          <a:lstStyle/>
+          <a:p>
+            <a:r>
+              <a:rPr lang="fr-BE" sz="3600" dirty="0" smtClean="0">
+                <a:solidFill>
+                  <a:schemeClr val="bg1"/>
+                </a:solidFill>
+                <a:latin typeface="Open Sans" panose="020B0606030504020204" pitchFamily="34" charset="0"/>
+                <a:ea typeface="Open Sans" panose="020B0606030504020204" pitchFamily="34" charset="0"/>
+                <a:cs typeface="Open Sans" panose="020B0606030504020204" pitchFamily="34" charset="0"/>
+              </a:rPr>
+              <a:t>JEUX DE DONNÉES UTILISÉS</a:t>
+            </a:r>
+            <a:endParaRPr lang="fr-BE" sz="3600" dirty="0">
+              <a:solidFill>
+                <a:schemeClr val="bg1"/>
+              </a:solidFill>
+              <a:latin typeface="Open Sans" panose="020B0606030504020204" pitchFamily="34" charset="0"/>
+              <a:ea typeface="Open Sans" panose="020B0606030504020204" pitchFamily="34" charset="0"/>
+              <a:cs typeface="Open Sans" panose="020B0606030504020204" pitchFamily="34" charset="0"/>
+            </a:endParaRPr>
+          </a:p>
+        </p:txBody>
+      </p:sp>
+      <p:sp>
+        <p:nvSpPr>
+          <p:cNvPr id="3" name="Espace réservé du contenu 2"/>
+          <p:cNvSpPr>
+            <a:spLocks noGrp="1"/>
+          </p:cNvSpPr>
+          <p:nvPr>
+            <p:ph idx="1"/>
+          </p:nvPr>
+        </p:nvSpPr>
+        <p:spPr/>
+        <p:txBody>
+          <a:bodyPr>
+            <a:normAutofit/>
+          </a:bodyPr>
+          <a:lstStyle/>
+          <a:p>
+            <a:pPr>
+              <a:spcAft>
+                <a:spcPts val="1200"/>
+              </a:spcAft>
+              <a:buClr>
+                <a:schemeClr val="bg1"/>
+              </a:buClr>
+            </a:pPr>
+            <a:r>
+              <a:rPr lang="fr-BE" sz="2800" dirty="0" smtClean="0">
+                <a:solidFill>
+                  <a:schemeClr val="bg1"/>
+                </a:solidFill>
+                <a:latin typeface="Open Sans" panose="020B0606030504020204" pitchFamily="34" charset="0"/>
+                <a:ea typeface="Open Sans" panose="020B0606030504020204" pitchFamily="34" charset="0"/>
+                <a:cs typeface="Open Sans" panose="020B0606030504020204" pitchFamily="34" charset="0"/>
+              </a:rPr>
+              <a:t>Statistiques de mortalité en Belgique en fonction de l’âge, du sexe et de la province</a:t>
+            </a:r>
+          </a:p>
+          <a:p>
+            <a:pPr>
+              <a:spcAft>
+                <a:spcPts val="1200"/>
+              </a:spcAft>
+              <a:buClr>
+                <a:schemeClr val="bg1"/>
+              </a:buClr>
+            </a:pPr>
+            <a:r>
+              <a:rPr lang="fr-BE" sz="2800" dirty="0" smtClean="0">
+                <a:solidFill>
+                  <a:schemeClr val="bg1"/>
+                </a:solidFill>
+                <a:latin typeface="Open Sans" panose="020B0606030504020204" pitchFamily="34" charset="0"/>
+                <a:ea typeface="Open Sans" panose="020B0606030504020204" pitchFamily="34" charset="0"/>
+                <a:cs typeface="Open Sans" panose="020B0606030504020204" pitchFamily="34" charset="0"/>
+              </a:rPr>
+              <a:t>Statistiques des naissances en Belgique selon l’âge de la mère</a:t>
+            </a:r>
+          </a:p>
+          <a:p>
+            <a:pPr>
+              <a:spcAft>
+                <a:spcPts val="1200"/>
+              </a:spcAft>
+              <a:buClr>
+                <a:schemeClr val="bg1"/>
+              </a:buClr>
+            </a:pPr>
+            <a:r>
+              <a:rPr lang="fr-BE" sz="2800" dirty="0" smtClean="0">
+                <a:solidFill>
+                  <a:schemeClr val="bg1"/>
+                </a:solidFill>
+                <a:latin typeface="Open Sans" panose="020B0606030504020204" pitchFamily="34" charset="0"/>
+                <a:ea typeface="Open Sans" panose="020B0606030504020204" pitchFamily="34" charset="0"/>
+                <a:cs typeface="Open Sans" panose="020B0606030504020204" pitchFamily="34" charset="0"/>
+              </a:rPr>
+              <a:t>Statistiques des migrations (in/out) en </a:t>
+            </a:r>
+            <a:r>
+              <a:rPr lang="fr-BE" sz="2800" dirty="0" smtClean="0">
+                <a:solidFill>
+                  <a:schemeClr val="bg1"/>
+                </a:solidFill>
+                <a:latin typeface="Open Sans" panose="020B0606030504020204" pitchFamily="34" charset="0"/>
+                <a:ea typeface="Open Sans" panose="020B0606030504020204" pitchFamily="34" charset="0"/>
+                <a:cs typeface="Open Sans" panose="020B0606030504020204" pitchFamily="34" charset="0"/>
+              </a:rPr>
+              <a:t>Belgique</a:t>
+            </a:r>
+          </a:p>
+          <a:p>
+            <a:pPr>
+              <a:spcAft>
+                <a:spcPts val="1200"/>
+              </a:spcAft>
+              <a:buClr>
+                <a:schemeClr val="bg1"/>
+              </a:buClr>
+            </a:pPr>
+            <a:r>
+              <a:rPr lang="fr-BE" sz="2800" dirty="0" smtClean="0">
+                <a:solidFill>
+                  <a:schemeClr val="bg1"/>
+                </a:solidFill>
+                <a:latin typeface="Open Sans" panose="020B0606030504020204" pitchFamily="34" charset="0"/>
+                <a:ea typeface="Open Sans" panose="020B0606030504020204" pitchFamily="34" charset="0"/>
+                <a:cs typeface="Open Sans" panose="020B0606030504020204" pitchFamily="34" charset="0"/>
+              </a:rPr>
+              <a:t>Données géographiques des provinces, villes, communes et codes </a:t>
+            </a:r>
+            <a:r>
+              <a:rPr lang="fr-BE" sz="2800" smtClean="0">
+                <a:solidFill>
+                  <a:schemeClr val="bg1"/>
+                </a:solidFill>
+                <a:latin typeface="Open Sans" panose="020B0606030504020204" pitchFamily="34" charset="0"/>
+                <a:ea typeface="Open Sans" panose="020B0606030504020204" pitchFamily="34" charset="0"/>
+                <a:cs typeface="Open Sans" panose="020B0606030504020204" pitchFamily="34" charset="0"/>
+              </a:rPr>
+              <a:t>postaux belges</a:t>
+            </a:r>
+            <a:endParaRPr lang="fr-BE" sz="2800" dirty="0">
+              <a:solidFill>
+                <a:schemeClr val="bg1"/>
+              </a:solidFill>
+              <a:latin typeface="Open Sans" panose="020B0606030504020204" pitchFamily="34" charset="0"/>
+              <a:ea typeface="Open Sans" panose="020B0606030504020204" pitchFamily="34" charset="0"/>
+              <a:cs typeface="Open Sans" panose="020B0606030504020204" pitchFamily="34" charset="0"/>
+            </a:endParaRPr>
+          </a:p>
+        </p:txBody>
+      </p:sp>
+      <p:grpSp>
+        <p:nvGrpSpPr>
+          <p:cNvPr id="4" name="Groupe 3"/>
+          <p:cNvGrpSpPr/>
+          <p:nvPr/>
+        </p:nvGrpSpPr>
+        <p:grpSpPr>
+          <a:xfrm rot="663669">
+            <a:off x="7206435" y="154486"/>
+            <a:ext cx="1783080" cy="1783080"/>
+            <a:chOff x="7101840" y="182880"/>
+            <a:chExt cx="1783080" cy="1783080"/>
+          </a:xfrm>
+        </p:grpSpPr>
+        <p:sp>
+          <p:nvSpPr>
+            <p:cNvPr id="5" name="Ellipse 4"/>
+            <p:cNvSpPr/>
+            <p:nvPr/>
+          </p:nvSpPr>
+          <p:spPr>
+            <a:xfrm>
+              <a:off x="7101840" y="182880"/>
+              <a:ext cx="1783080" cy="1783080"/>
+            </a:xfrm>
+            <a:prstGeom prst="ellipse">
+              <a:avLst/>
+            </a:prstGeom>
+            <a:solidFill>
+              <a:srgbClr val="1A1414"/>
+            </a:solidFill>
+            <a:ln w="38100">
+              <a:solidFill>
+                <a:schemeClr val="bg1"/>
+              </a:solidFill>
+            </a:ln>
+          </p:spPr>
+          <p:style>
+            <a:lnRef idx="2">
+              <a:schemeClr val="dk1">
+                <a:shade val="50000"/>
+              </a:schemeClr>
+            </a:lnRef>
+            <a:fillRef idx="1">
+              <a:schemeClr val="dk1"/>
+            </a:fillRef>
+            <a:effectRef idx="0">
+              <a:schemeClr val="dk1"/>
+            </a:effectRef>
+            <a:fontRef idx="minor">
+              <a:schemeClr val="lt1"/>
+            </a:fontRef>
+          </p:style>
+          <p:txBody>
+            <a:bodyPr rtlCol="0" anchor="ctr"/>
+            <a:lstStyle/>
+            <a:p>
+              <a:pPr algn="ctr"/>
+              <a:endParaRPr lang="fr-BE"/>
+            </a:p>
+          </p:txBody>
+        </p:sp>
+        <p:pic>
+          <p:nvPicPr>
+            <p:cNvPr id="6" name="Image 5"/>
+            <p:cNvPicPr>
+              <a:picLocks noChangeAspect="1"/>
+            </p:cNvPicPr>
+            <p:nvPr/>
+          </p:nvPicPr>
+          <p:blipFill>
+            <a:blip r:embed="rId2">
+              <a:extLst>
+                <a:ext uri="{28A0092B-C50C-407E-A947-70E740481C1C}">
+                  <a14:useLocalDpi xmlns:a14="http://schemas.microsoft.com/office/drawing/2010/main" val="0"/>
+                </a:ext>
+              </a:extLst>
+            </a:blip>
+            <a:stretch>
+              <a:fillRect/>
+            </a:stretch>
+          </p:blipFill>
+          <p:spPr>
+            <a:xfrm>
+              <a:off x="7374340" y="472777"/>
+              <a:ext cx="1197085" cy="1197085"/>
+            </a:xfrm>
+            <a:prstGeom prst="rect">
+              <a:avLst/>
+            </a:prstGeom>
+          </p:spPr>
+        </p:pic>
+      </p:grpSp>
+    </p:spTree>
+    <p:extLst>
+      <p:ext uri="{BB962C8B-B14F-4D97-AF65-F5344CB8AC3E}">
+        <p14:creationId xmlns:p14="http://schemas.microsoft.com/office/powerpoint/2010/main" val="3421148373"/>
+      </p:ext>
+    </p:extLst>
+  </p:cSld>
+  <p:clrMapOvr>
+    <a:masterClrMapping/>
+  </p:clrMapOvr>
+</p:sld>
+</file>
+
+<file path=ppt/slides/slide8.xml><?xml version="1.0" encoding="utf-8"?>
+<p:sld xmlns:a="http://schemas.openxmlformats.org/drawingml/2006/main" xmlns:r="http://schemas.openxmlformats.org/officeDocument/2006/relationships" xmlns:p="http://schemas.openxmlformats.org/presentationml/2006/main" showMasterSp="0">
+  <p:cSld>
+    <p:bg>
+      <p:bgPr>
+        <a:solidFill>
+          <a:srgbClr val="F6C346"/>
+        </a:solidFill>
+        <a:effectLst/>
+      </p:bgPr>
+    </p:bg>
+    <p:spTree>
+      <p:nvGrpSpPr>
+        <p:cNvPr id="1" name=""/>
+        <p:cNvGrpSpPr/>
+        <p:nvPr/>
+      </p:nvGrpSpPr>
+      <p:grpSpPr>
+        <a:xfrm>
+          <a:off x="0" y="0"/>
+          <a:ext cx="0" cy="0"/>
+          <a:chOff x="0" y="0"/>
+          <a:chExt cx="0" cy="0"/>
+        </a:xfrm>
+      </p:grpSpPr>
+      <p:sp>
+        <p:nvSpPr>
+          <p:cNvPr id="2" name="Titre 1"/>
+          <p:cNvSpPr>
+            <a:spLocks noGrp="1"/>
+          </p:cNvSpPr>
+          <p:nvPr>
+            <p:ph type="title"/>
+          </p:nvPr>
+        </p:nvSpPr>
+        <p:spPr/>
+        <p:txBody>
+          <a:bodyPr>
+            <a:normAutofit/>
+          </a:bodyPr>
+          <a:lstStyle/>
+          <a:p>
+            <a:r>
+              <a:rPr lang="fr-BE" sz="3600" dirty="0" smtClean="0">
+                <a:solidFill>
+                  <a:srgbClr val="1A1414"/>
+                </a:solidFill>
+                <a:latin typeface="Open Sans" panose="020B0606030504020204" pitchFamily="34" charset="0"/>
+                <a:ea typeface="Open Sans" panose="020B0606030504020204" pitchFamily="34" charset="0"/>
+                <a:cs typeface="Open Sans" panose="020B0606030504020204" pitchFamily="34" charset="0"/>
+              </a:rPr>
+              <a:t>NOS RÉSULTATS</a:t>
+            </a:r>
+            <a:endParaRPr lang="fr-BE" sz="3600" dirty="0">
+              <a:solidFill>
+                <a:srgbClr val="1A1414"/>
+              </a:solidFill>
+              <a:latin typeface="Open Sans" panose="020B0606030504020204" pitchFamily="34" charset="0"/>
+              <a:ea typeface="Open Sans" panose="020B0606030504020204" pitchFamily="34" charset="0"/>
+              <a:cs typeface="Open Sans" panose="020B0606030504020204" pitchFamily="34" charset="0"/>
+            </a:endParaRPr>
+          </a:p>
+        </p:txBody>
+      </p:sp>
+      <p:sp>
+        <p:nvSpPr>
+          <p:cNvPr id="3" name="Espace réservé du contenu 2"/>
+          <p:cNvSpPr>
+            <a:spLocks noGrp="1"/>
+          </p:cNvSpPr>
+          <p:nvPr>
+            <p:ph idx="1"/>
+          </p:nvPr>
+        </p:nvSpPr>
+        <p:spPr>
+          <a:xfrm>
+            <a:off x="857251" y="2057400"/>
+            <a:ext cx="7404653" cy="4596618"/>
+          </a:xfrm>
+        </p:spPr>
+        <p:txBody>
+          <a:bodyPr>
+            <a:noAutofit/>
+          </a:bodyPr>
+          <a:lstStyle/>
+          <a:p>
+            <a:pPr>
+              <a:spcAft>
+                <a:spcPts val="1200"/>
+              </a:spcAft>
+              <a:buClr>
+                <a:srgbClr val="1A1414"/>
+              </a:buClr>
+            </a:pPr>
+            <a:r>
+              <a:rPr lang="fr-BE" sz="2800" dirty="0" smtClean="0">
+                <a:solidFill>
+                  <a:srgbClr val="1A1414"/>
+                </a:solidFill>
+              </a:rPr>
+              <a:t>Un </a:t>
+            </a:r>
+            <a:r>
+              <a:rPr lang="fr-BE" sz="2800" b="1" dirty="0" smtClean="0">
+                <a:solidFill>
+                  <a:srgbClr val="1A1414"/>
+                </a:solidFill>
+              </a:rPr>
+              <a:t>site</a:t>
+            </a:r>
+            <a:r>
+              <a:rPr lang="fr-BE" sz="2800" dirty="0" smtClean="0">
+                <a:solidFill>
+                  <a:srgbClr val="1A1414"/>
+                </a:solidFill>
+              </a:rPr>
+              <a:t> qui prédit la date de votre mort</a:t>
+            </a:r>
+          </a:p>
+          <a:p>
+            <a:pPr>
+              <a:spcAft>
+                <a:spcPts val="1200"/>
+              </a:spcAft>
+              <a:buClr>
+                <a:srgbClr val="1A1414"/>
+              </a:buClr>
+            </a:pPr>
+            <a:r>
+              <a:rPr lang="fr-BE" sz="2800" dirty="0" smtClean="0">
+                <a:solidFill>
+                  <a:srgbClr val="1A1414"/>
+                </a:solidFill>
+              </a:rPr>
+              <a:t>Une </a:t>
+            </a:r>
+            <a:r>
+              <a:rPr lang="fr-BE" sz="2800" b="1" dirty="0" err="1" smtClean="0">
+                <a:solidFill>
+                  <a:srgbClr val="1A1414"/>
+                </a:solidFill>
+              </a:rPr>
+              <a:t>app</a:t>
+            </a:r>
+            <a:r>
+              <a:rPr lang="fr-BE" sz="2800" dirty="0" smtClean="0">
+                <a:solidFill>
+                  <a:srgbClr val="1A1414"/>
+                </a:solidFill>
+              </a:rPr>
+              <a:t> (</a:t>
+            </a:r>
+            <a:r>
+              <a:rPr lang="fr-BE" sz="2400" i="1" dirty="0" smtClean="0">
+                <a:solidFill>
+                  <a:srgbClr val="1A1414"/>
+                </a:solidFill>
+              </a:rPr>
+              <a:t>compatible iOS, Android, Windows Phone, </a:t>
+            </a:r>
+            <a:r>
+              <a:rPr lang="fr-BE" sz="2400" i="1" dirty="0" err="1" smtClean="0">
+                <a:solidFill>
+                  <a:srgbClr val="1A1414"/>
+                </a:solidFill>
+              </a:rPr>
+              <a:t>Symbian</a:t>
+            </a:r>
+            <a:r>
+              <a:rPr lang="fr-BE" sz="2400" i="1" dirty="0" smtClean="0">
+                <a:solidFill>
+                  <a:srgbClr val="1A1414"/>
+                </a:solidFill>
+              </a:rPr>
+              <a:t>, BlackBerry, Nokia 3310, etc.</a:t>
+            </a:r>
+            <a:r>
+              <a:rPr lang="fr-BE" sz="2800" dirty="0" smtClean="0">
+                <a:solidFill>
+                  <a:srgbClr val="1A1414"/>
+                </a:solidFill>
+              </a:rPr>
+              <a:t>) pour connaître son espérance de vie</a:t>
+            </a:r>
+          </a:p>
+          <a:p>
+            <a:pPr>
+              <a:buClr>
+                <a:srgbClr val="1A1414"/>
+              </a:buClr>
+            </a:pPr>
+            <a:r>
+              <a:rPr lang="fr-BE" sz="2800" dirty="0" smtClean="0">
+                <a:solidFill>
+                  <a:srgbClr val="1A1414"/>
+                </a:solidFill>
+              </a:rPr>
+              <a:t>Une </a:t>
+            </a:r>
+            <a:r>
+              <a:rPr lang="fr-BE" sz="2800" b="1" dirty="0" smtClean="0">
+                <a:solidFill>
+                  <a:srgbClr val="1A1414"/>
+                </a:solidFill>
+              </a:rPr>
+              <a:t>simulation visuelle </a:t>
+            </a:r>
+            <a:r>
+              <a:rPr lang="fr-BE" sz="2800" dirty="0" smtClean="0">
+                <a:solidFill>
+                  <a:srgbClr val="1A1414"/>
+                </a:solidFill>
+              </a:rPr>
+              <a:t>d’une population qui vieillit, se renouvelle (bébés) et meurt…</a:t>
+            </a:r>
+            <a:endParaRPr lang="fr-BE" sz="2800" dirty="0">
+              <a:solidFill>
+                <a:srgbClr val="1A1414"/>
+              </a:solidFill>
+            </a:endParaRPr>
+          </a:p>
+          <a:p>
+            <a:pPr marL="34290" indent="0">
+              <a:buClr>
+                <a:schemeClr val="bg1"/>
+              </a:buClr>
+              <a:buNone/>
+            </a:pPr>
+            <a:endParaRPr lang="fr-BE" sz="2400" dirty="0" smtClean="0">
+              <a:solidFill>
+                <a:srgbClr val="1A1414"/>
+              </a:solidFill>
+            </a:endParaRPr>
+          </a:p>
+          <a:p>
+            <a:pPr marL="34290" indent="0" algn="ctr">
+              <a:buClr>
+                <a:schemeClr val="bg1"/>
+              </a:buClr>
+              <a:buNone/>
+            </a:pPr>
+            <a:r>
+              <a:rPr lang="fr-BE" sz="2800" dirty="0" smtClean="0">
+                <a:solidFill>
+                  <a:srgbClr val="1A1414"/>
+                </a:solidFill>
+              </a:rPr>
+              <a:t>Tout ceci sur la base de </a:t>
+            </a:r>
+            <a:r>
+              <a:rPr lang="fr-BE" sz="2800" b="1" dirty="0" smtClean="0">
+                <a:solidFill>
+                  <a:srgbClr val="1A1414"/>
+                </a:solidFill>
+              </a:rPr>
+              <a:t>statistiques réelles</a:t>
+            </a:r>
+            <a:r>
+              <a:rPr lang="fr-BE" sz="2800" dirty="0" smtClean="0">
+                <a:solidFill>
+                  <a:srgbClr val="1A1414"/>
+                </a:solidFill>
+              </a:rPr>
+              <a:t/>
+            </a:r>
+            <a:br>
+              <a:rPr lang="fr-BE" sz="2800" dirty="0" smtClean="0">
+                <a:solidFill>
+                  <a:srgbClr val="1A1414"/>
+                </a:solidFill>
+              </a:rPr>
+            </a:br>
+            <a:r>
+              <a:rPr lang="fr-BE" sz="2800" dirty="0" smtClean="0">
+                <a:solidFill>
+                  <a:srgbClr val="1A1414"/>
+                </a:solidFill>
+              </a:rPr>
+              <a:t>tirées de l’</a:t>
+            </a:r>
+            <a:r>
+              <a:rPr lang="fr-BE" sz="2800" b="1" dirty="0" smtClean="0">
+                <a:solidFill>
+                  <a:srgbClr val="1A1414"/>
+                </a:solidFill>
+              </a:rPr>
+              <a:t>OPEN DATA belge</a:t>
+            </a:r>
+          </a:p>
+        </p:txBody>
+      </p:sp>
+      <p:grpSp>
+        <p:nvGrpSpPr>
+          <p:cNvPr id="5" name="Groupe 4"/>
+          <p:cNvGrpSpPr/>
+          <p:nvPr/>
+        </p:nvGrpSpPr>
+        <p:grpSpPr>
+          <a:xfrm rot="663669">
+            <a:off x="7206435" y="154486"/>
+            <a:ext cx="1783080" cy="1783080"/>
+            <a:chOff x="7101840" y="182880"/>
+            <a:chExt cx="1783080" cy="1783080"/>
+          </a:xfrm>
+        </p:grpSpPr>
+        <p:sp>
+          <p:nvSpPr>
+            <p:cNvPr id="6" name="Ellipse 5"/>
+            <p:cNvSpPr/>
+            <p:nvPr/>
+          </p:nvSpPr>
+          <p:spPr>
+            <a:xfrm>
+              <a:off x="7101840" y="182880"/>
+              <a:ext cx="1783080" cy="1783080"/>
+            </a:xfrm>
+            <a:prstGeom prst="ellipse">
+              <a:avLst/>
+            </a:prstGeom>
+            <a:solidFill>
+              <a:srgbClr val="1A1414"/>
+            </a:solidFill>
+            <a:ln w="38100">
+              <a:solidFill>
+                <a:schemeClr val="bg1"/>
+              </a:solidFill>
+            </a:ln>
+          </p:spPr>
+          <p:style>
+            <a:lnRef idx="2">
+              <a:schemeClr val="dk1">
+                <a:shade val="50000"/>
+              </a:schemeClr>
+            </a:lnRef>
+            <a:fillRef idx="1">
+              <a:schemeClr val="dk1"/>
+            </a:fillRef>
+            <a:effectRef idx="0">
+              <a:schemeClr val="dk1"/>
+            </a:effectRef>
+            <a:fontRef idx="minor">
+              <a:schemeClr val="lt1"/>
+            </a:fontRef>
+          </p:style>
+          <p:txBody>
+            <a:bodyPr rtlCol="0" anchor="ctr"/>
+            <a:lstStyle/>
+            <a:p>
+              <a:pPr algn="ctr"/>
+              <a:endParaRPr lang="fr-BE"/>
+            </a:p>
+          </p:txBody>
+        </p:sp>
+        <p:pic>
+          <p:nvPicPr>
+            <p:cNvPr id="7" name="Image 6"/>
+            <p:cNvPicPr>
+              <a:picLocks noChangeAspect="1"/>
+            </p:cNvPicPr>
+            <p:nvPr/>
+          </p:nvPicPr>
+          <p:blipFill>
+            <a:blip r:embed="rId2">
+              <a:extLst>
+                <a:ext uri="{28A0092B-C50C-407E-A947-70E740481C1C}">
+                  <a14:useLocalDpi xmlns:a14="http://schemas.microsoft.com/office/drawing/2010/main" val="0"/>
+                </a:ext>
+              </a:extLst>
+            </a:blip>
+            <a:stretch>
+              <a:fillRect/>
+            </a:stretch>
+          </p:blipFill>
+          <p:spPr>
+            <a:xfrm>
+              <a:off x="7374340" y="472777"/>
+              <a:ext cx="1197085" cy="1197085"/>
+            </a:xfrm>
+            <a:prstGeom prst="rect">
+              <a:avLst/>
+            </a:prstGeom>
+          </p:spPr>
+        </p:pic>
+      </p:grpSp>
     </p:spTree>
     <p:extLst>
       <p:ext uri="{BB962C8B-B14F-4D97-AF65-F5344CB8AC3E}">
@@ -4669,8 +5181,16 @@
 </file>
 
 <file path=ppt/slides/slide9.xml><?xml version="1.0" encoding="utf-8"?>
-<p:sld xmlns:a="http://schemas.openxmlformats.org/drawingml/2006/main" xmlns:r="http://schemas.openxmlformats.org/officeDocument/2006/relationships" xmlns:p="http://schemas.openxmlformats.org/presentationml/2006/main">
+<p:sld xmlns:a="http://schemas.openxmlformats.org/drawingml/2006/main" xmlns:r="http://schemas.openxmlformats.org/officeDocument/2006/relationships" xmlns:p="http://schemas.openxmlformats.org/presentationml/2006/main" showMasterSp="0">
   <p:cSld>
+    <p:bg>
+      <p:bgPr>
+        <a:solidFill>
+          <a:srgbClr val="BF3870"/>
+        </a:solidFill>
+        <a:effectLst/>
+      </p:bgPr>
+    </p:bg>
     <p:spTree>
       <p:nvGrpSpPr>
         <p:cNvPr id="1" name=""/>
@@ -4697,14 +5217,30 @@
         </p:nvSpPr>
         <p:spPr/>
         <p:txBody>
-          <a:bodyPr/>
-          <a:lstStyle/>
-          <a:p>
-            <a:r>
-              <a:rPr lang="fr-BE" dirty="0" smtClean="0"/>
-              <a:t>Démonstrations</a:t>
-            </a:r>
-            <a:endParaRPr lang="fr-BE" dirty="0"/>
+          <a:bodyPr>
+            <a:normAutofit/>
+          </a:bodyPr>
+          <a:lstStyle/>
+          <a:p>
+            <a:r>
+              <a:rPr lang="fr-BE" sz="3600" dirty="0" smtClean="0">
+                <a:solidFill>
+                  <a:schemeClr val="bg1"/>
+                </a:solidFill>
+                <a:latin typeface="Open Sans" panose="020B0606030504020204" pitchFamily="34" charset="0"/>
+                <a:ea typeface="Open Sans" panose="020B0606030504020204" pitchFamily="34" charset="0"/>
+                <a:cs typeface="Open Sans" panose="020B0606030504020204" pitchFamily="34" charset="0"/>
+              </a:rPr>
+              <a:t>DÉMONSTRATIONS</a:t>
+            </a:r>
+            <a:endParaRPr lang="fr-BE" sz="3600" dirty="0">
+              <a:solidFill>
+                <a:schemeClr val="bg1"/>
+              </a:solidFill>
+              <a:latin typeface="Open Sans" panose="020B0606030504020204" pitchFamily="34" charset="0"/>
+              <a:ea typeface="Open Sans" panose="020B0606030504020204" pitchFamily="34" charset="0"/>
+              <a:cs typeface="Open Sans" panose="020B0606030504020204" pitchFamily="34" charset="0"/>
+            </a:endParaRPr>
           </a:p>
         </p:txBody>
       </p:sp>
@@ -4729,10 +5265,17 @@
               <a:buNone/>
             </a:pPr>
             <a:r>
-              <a:rPr lang="fr-BE" sz="2800" u="sng" dirty="0" smtClean="0"/>
+              <a:rPr lang="fr-BE" sz="2800" u="sng" dirty="0" smtClean="0">
+                <a:solidFill>
+                  <a:schemeClr val="bg1"/>
+                </a:solidFill>
+              </a:rPr>
               <a:t>Site web</a:t>
             </a:r>
             <a:endParaRPr lang="fr-BE" sz="2800" u="sng" dirty="0" smtClean="0">
+              <a:solidFill>
+                <a:schemeClr val="bg1"/>
+              </a:solidFill>
               <a:hlinkClick r:id="rId2"/>
             </a:endParaRPr>
           </a:p>
@@ -4742,21 +5285,36 @@
             </a:pPr>
             <a:r>
               <a:rPr lang="fr-BE" sz="2800" dirty="0" smtClean="0">
+                <a:solidFill>
+                  <a:schemeClr val="bg1"/>
+                </a:solidFill>
                 <a:hlinkClick r:id="rId2"/>
               </a:rPr>
               <a:t>https://mordatality.herokuapp.com</a:t>
             </a:r>
-            <a:endParaRPr lang="fr-BE" sz="2800" dirty="0" smtClean="0"/>
-          </a:p>
-          <a:p>
-            <a:endParaRPr lang="fr-BE" sz="2800" dirty="0" smtClean="0"/>
+            <a:endParaRPr lang="fr-BE" sz="2800" dirty="0" smtClean="0">
+              <a:solidFill>
+                <a:schemeClr val="bg1"/>
+              </a:solidFill>
+            </a:endParaRPr>
+          </a:p>
+          <a:p>
+            <a:endParaRPr lang="fr-BE" sz="2800" dirty="0" smtClean="0">
+              <a:solidFill>
+                <a:schemeClr val="bg1"/>
+              </a:solidFill>
+            </a:endParaRPr>
           </a:p>
           <a:p>
             <a:pPr marL="34290" indent="0">
               <a:buNone/>
             </a:pPr>
             <a:r>
-              <a:rPr lang="fr-BE" sz="2800" u="sng" dirty="0" smtClean="0"/>
+              <a:rPr lang="fr-BE" sz="2800" u="sng" dirty="0" smtClean="0">
+                <a:solidFill>
+                  <a:schemeClr val="bg1"/>
+                </a:solidFill>
+              </a:rPr>
               <a:t>Numéro SMS</a:t>
             </a:r>
           </a:p>
@@ -4765,35 +5323,57 @@
               <a:buNone/>
             </a:pPr>
             <a:r>
-              <a:rPr lang="fr-BE" sz="2800" dirty="0" smtClean="0"/>
+              <a:rPr lang="fr-BE" sz="2800" dirty="0" smtClean="0">
+                <a:solidFill>
+                  <a:schemeClr val="bg1"/>
+                </a:solidFill>
+              </a:rPr>
               <a:t>Envoyez « </a:t>
             </a:r>
             <a:r>
               <a:rPr lang="fr-BE" sz="2800" b="1" dirty="0" smtClean="0">
+                <a:solidFill>
+                  <a:schemeClr val="bg1"/>
+                </a:solidFill>
                 <a:latin typeface="Arial Black" panose="020B0A04020102020204" pitchFamily="34" charset="0"/>
               </a:rPr>
               <a:t>29 H 7000</a:t>
             </a:r>
             <a:r>
-              <a:rPr lang="fr-BE" sz="2800" dirty="0" smtClean="0"/>
+              <a:rPr lang="fr-BE" sz="2800" dirty="0" smtClean="0">
+                <a:solidFill>
+                  <a:schemeClr val="bg1"/>
+                </a:solidFill>
+              </a:rPr>
               <a:t> » au </a:t>
             </a:r>
             <a:r>
               <a:rPr lang="fr-BE" sz="2800" b="1" dirty="0" smtClean="0">
+                <a:solidFill>
+                  <a:schemeClr val="bg1"/>
+                </a:solidFill>
                 <a:latin typeface="Arial Black" panose="020B0A04020102020204" pitchFamily="34" charset="0"/>
               </a:rPr>
               <a:t>0460 20 35 80</a:t>
             </a:r>
           </a:p>
           <a:p>
-            <a:endParaRPr lang="fr-BE" sz="2800" dirty="0" smtClean="0"/>
+            <a:endParaRPr lang="fr-BE" sz="2800" dirty="0" smtClean="0">
+              <a:solidFill>
+                <a:schemeClr val="bg1"/>
+              </a:solidFill>
+            </a:endParaRPr>
           </a:p>
           <a:p>
             <a:pPr marL="34290" indent="0">
               <a:buNone/>
             </a:pPr>
             <a:r>
-              <a:rPr lang="fr-BE" sz="2800" u="sng" dirty="0" smtClean="0"/>
+              <a:rPr lang="fr-BE" sz="2800" u="sng" dirty="0" smtClean="0">
+                <a:solidFill>
+                  <a:schemeClr val="bg1"/>
+                </a:solidFill>
+              </a:rPr>
               <a:t>Un « vrai » jeu de la vie</a:t>
             </a:r>
           </a:p>
@@ -4803,29 +5383,135 @@
             </a:pPr>
             <a:r>
               <a:rPr lang="fr-BE" sz="2800" dirty="0" smtClean="0">
+                <a:solidFill>
+                  <a:schemeClr val="bg1"/>
+                </a:solidFill>
                 <a:hlinkClick r:id="rId3"/>
               </a:rPr>
               <a:t>https</a:t>
             </a:r>
             <a:r>
               <a:rPr lang="fr-BE" sz="2800" dirty="0">
+                <a:solidFill>
+                  <a:schemeClr val="bg1"/>
+                </a:solidFill>
                 <a:hlinkClick r:id="rId3"/>
               </a:rPr>
               <a:t>://</a:t>
             </a:r>
             <a:r>
               <a:rPr lang="fr-BE" sz="2800" dirty="0" smtClean="0">
+                <a:solidFill>
+                  <a:schemeClr val="bg1"/>
+                </a:solidFill>
                 <a:hlinkClick r:id="rId3"/>
               </a:rPr>
               <a:t>mordatality.herokuapp.com/simulation</a:t>
             </a:r>
             <a:r>
-              <a:rPr lang="fr-BE" sz="2800" dirty="0" smtClean="0"/>
+              <a:rPr lang="fr-BE" sz="2800" dirty="0" smtClean="0">
+                <a:solidFill>
+                  <a:schemeClr val="bg1"/>
+                </a:solidFill>
+              </a:rPr>
               <a:t> </a:t>
             </a:r>
           </a:p>
         </p:txBody>
       </p:sp>
+      <p:grpSp>
+        <p:nvGrpSpPr>
+          <p:cNvPr id="6" name="Groupe 5"/>
+          <p:cNvGrpSpPr/>
+          <p:nvPr/>
+        </p:nvGrpSpPr>
+        <p:grpSpPr>
+          <a:xfrm rot="663669">
+            <a:off x="7206435" y="154486"/>
+            <a:ext cx="1783080" cy="1783080"/>
+            <a:chOff x="7101840" y="182880"/>
+            <a:chExt cx="1783080" cy="1783080"/>
+          </a:xfrm>
+        </p:grpSpPr>
+        <p:sp>
+          <p:nvSpPr>
+            <p:cNvPr id="4" name="Ellipse 3"/>
+            <p:cNvSpPr/>
+            <p:nvPr/>
+          </p:nvSpPr>
+          <p:spPr>
+            <a:xfrm>
+              <a:off x="7101840" y="182880"/>
+              <a:ext cx="1783080" cy="1783080"/>
+            </a:xfrm>
+            <a:prstGeom prst="ellipse">
+              <a:avLst/>
+            </a:prstGeom>
+            <a:solidFill>
+              <a:srgbClr val="1A1414"/>
+            </a:solidFill>
+            <a:ln w="38100">
+              <a:solidFill>
+                <a:schemeClr val="bg1"/>
+              </a:solidFill>
+            </a:ln>
+          </p:spPr>
+          <p:style>
+            <a:lnRef idx="2">
+              <a:schemeClr val="dk1">
+                <a:shade val="50000"/>
+              </a:schemeClr>
+            </a:lnRef>
+            <a:fillRef idx="1">
+              <a:schemeClr val="dk1"/>
+            </a:fillRef>
+            <a:effectRef idx="0">
+              <a:schemeClr val="dk1"/>
+            </a:effectRef>
+            <a:fontRef idx="minor">
+              <a:schemeClr val="lt1"/>
+            </a:fontRef>
+          </p:style>
+          <p:txBody>
+            <a:bodyPr rtlCol="0" anchor="ctr"/>
+            <a:lstStyle/>
+            <a:p>
+              <a:pPr algn="ctr"/>
+              <a:endParaRPr lang="fr-BE"/>
+            </a:p>
+          </p:txBody>
+        </p:sp>
+        <p:pic>
+          <p:nvPicPr>
+            <p:cNvPr id="5" name="Image 4"/>
+            <p:cNvPicPr>
+              <a:picLocks noChangeAspect="1"/>
+            </p:cNvPicPr>
+            <p:nvPr/>
+          </p:nvPicPr>
+          <p:blipFill>
+            <a:blip r:embed="rId4">
+              <a:extLst>
+                <a:ext uri="{28A0092B-C50C-407E-A947-70E740481C1C}">
+                  <a14:useLocalDpi xmlns:a14="http://schemas.microsoft.com/office/drawing/2010/main" val="0"/>
+                </a:ext>
+              </a:extLst>
+            </a:blip>
+            <a:stretch>
+              <a:fillRect/>
+            </a:stretch>
+          </p:blipFill>
+          <p:spPr>
+            <a:xfrm>
+              <a:off x="7374340" y="472777"/>
+              <a:ext cx="1197085" cy="1197085"/>
+            </a:xfrm>
+            <a:prstGeom prst="rect">
+              <a:avLst/>
+            </a:prstGeom>
+          </p:spPr>
+        </p:pic>
+      </p:grpSp>
     </p:spTree>
     <p:extLst>
       <p:ext uri="{BB962C8B-B14F-4D97-AF65-F5344CB8AC3E}">

--- a/presentation-summercamp2015.pptx
+++ b/presentation-summercamp2015.pptx
@@ -3530,15 +3530,7 @@
                   <a:schemeClr val="accent2"/>
                 </a:solidFill>
               </a:rPr>
-              <a:t>S</a:t>
-            </a:r>
-            <a:r>
-              <a:rPr lang="fr-BE" b="1" dirty="0" smtClean="0">
-                <a:solidFill>
-                  <a:schemeClr val="accent2"/>
-                </a:solidFill>
-              </a:rPr>
-              <a:t>ITUATION ACTUELLE</a:t>
+              <a:t>SITUATION ACTUELLE</a:t>
             </a:r>
             <a:endParaRPr lang="fr-BE" b="1" dirty="0">
               <a:solidFill>
@@ -4471,6 +4463,13 @@
   <p:clrMapOvr>
     <a:masterClrMapping/>
   </p:clrMapOvr>
+  <p:timing>
+    <p:tnLst>
+      <p:par>
+        <p:cTn id="1" dur="indefinite" restart="never" nodeType="tmRoot"/>
+      </p:par>
+    </p:tnLst>
+  </p:timing>
 </p:sld>
 </file>
 
@@ -4614,18 +4613,7 @@
                 <a:ea typeface="Open Sans" panose="020B0606030504020204" pitchFamily="34" charset="0"/>
                 <a:cs typeface="Open Sans" panose="020B0606030504020204" pitchFamily="34" charset="0"/>
               </a:rPr>
-              <a:t>Statistiques des migrations (in/out) en </a:t>
-            </a:r>
-            <a:r>
-              <a:rPr lang="fr-BE" sz="2800" dirty="0" smtClean="0">
-                <a:solidFill>
-                  <a:schemeClr val="bg1"/>
-                </a:solidFill>
-                <a:latin typeface="Open Sans" panose="020B0606030504020204" pitchFamily="34" charset="0"/>
-                <a:ea typeface="Open Sans" panose="020B0606030504020204" pitchFamily="34" charset="0"/>
-                <a:cs typeface="Open Sans" panose="020B0606030504020204" pitchFamily="34" charset="0"/>
-              </a:rPr>
-              <a:t>Belgique</a:t>
+              <a:t>Statistiques des migrations (in/out) en Belgique</a:t>
             </a:r>
           </a:p>
           <a:p>
@@ -4773,6 +4761,13 @@
   <p:clrMapOvr>
     <a:masterClrMapping/>
   </p:clrMapOvr>
+  <p:timing>
+    <p:tnLst>
+      <p:par>
+        <p:cTn id="1" dur="indefinite" restart="never" nodeType="tmRoot"/>
+      </p:par>
+    </p:tnLst>
+  </p:timing>
 </p:sld>
 </file>
 
@@ -5328,16 +5323,33 @@
                   <a:schemeClr val="bg1"/>
                 </a:solidFill>
               </a:rPr>
-              <a:t>Envoyez « </a:t>
-            </a:r>
-            <a:r>
-              <a:rPr lang="fr-BE" sz="2800" b="1" dirty="0" smtClean="0">
+              <a:t>Envoyez </a:t>
+            </a:r>
+            <a:r>
+              <a:rPr lang="fr-BE" sz="2800" dirty="0" smtClean="0">
+                <a:solidFill>
+                  <a:schemeClr val="bg1"/>
+                </a:solidFill>
+              </a:rPr>
+              <a:t>« </a:t>
+            </a:r>
+            <a:r>
+              <a:rPr lang="fr-BE" sz="2800" b="1" smtClean="0">
                 <a:solidFill>
                   <a:schemeClr val="bg1"/>
                 </a:solidFill>
                 <a:latin typeface="Arial Black" panose="020B0A04020102020204" pitchFamily="34" charset="0"/>
               </a:rPr>
-              <a:t>29 H 7000</a:t>
+              <a:t>29 h </a:t>
+            </a:r>
+            <a:r>
+              <a:rPr lang="fr-BE" sz="2800" b="1" dirty="0" smtClean="0">
+                <a:solidFill>
+                  <a:schemeClr val="bg1"/>
+                </a:solidFill>
+                <a:latin typeface="Arial Black" panose="020B0A04020102020204" pitchFamily="34" charset="0"/>
+              </a:rPr>
+              <a:t>7000</a:t>
             </a:r>
             <a:r>
               <a:rPr lang="fr-BE" sz="2800" dirty="0" smtClean="0">
@@ -5345,7 +5357,15 @@
                   <a:schemeClr val="bg1"/>
                 </a:solidFill>
               </a:rPr>
-              <a:t> » au </a:t>
+              <a:t> » </a:t>
+            </a:r>
+            <a:r>
+              <a:rPr lang="fr-BE" sz="2800" dirty="0" smtClean="0">
+                <a:solidFill>
+                  <a:schemeClr val="bg1"/>
+                </a:solidFill>
+              </a:rPr>
+              <a:t>au </a:t>
             </a:r>
             <a:r>
               <a:rPr lang="fr-BE" sz="2800" b="1" dirty="0" smtClean="0">
@@ -5522,6 +5542,13 @@
   <p:clrMapOvr>
     <a:masterClrMapping/>
   </p:clrMapOvr>
+  <p:timing>
+    <p:tnLst>
+      <p:par>
+        <p:cTn id="1" dur="indefinite" restart="never" nodeType="tmRoot"/>
+      </p:par>
+    </p:tnLst>
+  </p:timing>
 </p:sld>
 </file>
 
